--- a/Results/Clustering.pptx
+++ b/Results/Clustering.pptx
@@ -6,10 +6,11 @@
   </p:sldMasterIdLst>
   <p:sldIdLst>
     <p:sldId id="260" r:id="rId2"/>
-    <p:sldId id="261" r:id="rId3"/>
-    <p:sldId id="262" r:id="rId4"/>
-    <p:sldId id="257" r:id="rId5"/>
-    <p:sldId id="258" r:id="rId6"/>
+    <p:sldId id="263" r:id="rId3"/>
+    <p:sldId id="261" r:id="rId4"/>
+    <p:sldId id="262" r:id="rId5"/>
+    <p:sldId id="257" r:id="rId6"/>
+    <p:sldId id="258" r:id="rId7"/>
   </p:sldIdLst>
   <p:sldSz cx="12192000" cy="6858000"/>
   <p:notesSz cx="6858000" cy="9144000"/>
@@ -108,6 +109,11 @@
       </a:defRPr>
     </a:lvl9pPr>
   </p:defaultTextStyle>
+  <p:extLst>
+    <p:ext uri="{EFAFB233-063F-42B5-8137-9DF3F51BA10A}">
+      <p15:sldGuideLst xmlns:p15="http://schemas.microsoft.com/office/powerpoint/2012/main"/>
+    </p:ext>
+  </p:extLst>
 </p:presentation>
 </file>
 
@@ -258,7 +264,7 @@
           <a:p>
             <a:fld id="{56B98B0E-6C78-470D-93E8-7DC6905FE83A}" type="datetimeFigureOut">
               <a:rPr lang="en-US" smtClean="0"/>
-              <a:t>7/14/2020</a:t>
+              <a:t>7/23/2020</a:t>
             </a:fld>
             <a:endParaRPr lang="en-US"/>
           </a:p>
@@ -456,7 +462,7 @@
           <a:p>
             <a:fld id="{56B98B0E-6C78-470D-93E8-7DC6905FE83A}" type="datetimeFigureOut">
               <a:rPr lang="en-US" smtClean="0"/>
-              <a:t>7/14/2020</a:t>
+              <a:t>7/23/2020</a:t>
             </a:fld>
             <a:endParaRPr lang="en-US"/>
           </a:p>
@@ -664,7 +670,7 @@
           <a:p>
             <a:fld id="{56B98B0E-6C78-470D-93E8-7DC6905FE83A}" type="datetimeFigureOut">
               <a:rPr lang="en-US" smtClean="0"/>
-              <a:t>7/14/2020</a:t>
+              <a:t>7/23/2020</a:t>
             </a:fld>
             <a:endParaRPr lang="en-US"/>
           </a:p>
@@ -862,7 +868,7 @@
           <a:p>
             <a:fld id="{56B98B0E-6C78-470D-93E8-7DC6905FE83A}" type="datetimeFigureOut">
               <a:rPr lang="en-US" smtClean="0"/>
-              <a:t>7/14/2020</a:t>
+              <a:t>7/23/2020</a:t>
             </a:fld>
             <a:endParaRPr lang="en-US"/>
           </a:p>
@@ -1137,7 +1143,7 @@
           <a:p>
             <a:fld id="{56B98B0E-6C78-470D-93E8-7DC6905FE83A}" type="datetimeFigureOut">
               <a:rPr lang="en-US" smtClean="0"/>
-              <a:t>7/14/2020</a:t>
+              <a:t>7/23/2020</a:t>
             </a:fld>
             <a:endParaRPr lang="en-US"/>
           </a:p>
@@ -1402,7 +1408,7 @@
           <a:p>
             <a:fld id="{56B98B0E-6C78-470D-93E8-7DC6905FE83A}" type="datetimeFigureOut">
               <a:rPr lang="en-US" smtClean="0"/>
-              <a:t>7/14/2020</a:t>
+              <a:t>7/23/2020</a:t>
             </a:fld>
             <a:endParaRPr lang="en-US"/>
           </a:p>
@@ -1814,7 +1820,7 @@
           <a:p>
             <a:fld id="{56B98B0E-6C78-470D-93E8-7DC6905FE83A}" type="datetimeFigureOut">
               <a:rPr lang="en-US" smtClean="0"/>
-              <a:t>7/14/2020</a:t>
+              <a:t>7/23/2020</a:t>
             </a:fld>
             <a:endParaRPr lang="en-US"/>
           </a:p>
@@ -1955,7 +1961,7 @@
           <a:p>
             <a:fld id="{56B98B0E-6C78-470D-93E8-7DC6905FE83A}" type="datetimeFigureOut">
               <a:rPr lang="en-US" smtClean="0"/>
-              <a:t>7/14/2020</a:t>
+              <a:t>7/23/2020</a:t>
             </a:fld>
             <a:endParaRPr lang="en-US"/>
           </a:p>
@@ -2068,7 +2074,7 @@
           <a:p>
             <a:fld id="{56B98B0E-6C78-470D-93E8-7DC6905FE83A}" type="datetimeFigureOut">
               <a:rPr lang="en-US" smtClean="0"/>
-              <a:t>7/14/2020</a:t>
+              <a:t>7/23/2020</a:t>
             </a:fld>
             <a:endParaRPr lang="en-US"/>
           </a:p>
@@ -2379,7 +2385,7 @@
           <a:p>
             <a:fld id="{56B98B0E-6C78-470D-93E8-7DC6905FE83A}" type="datetimeFigureOut">
               <a:rPr lang="en-US" smtClean="0"/>
-              <a:t>7/14/2020</a:t>
+              <a:t>7/23/2020</a:t>
             </a:fld>
             <a:endParaRPr lang="en-US"/>
           </a:p>
@@ -2667,7 +2673,7 @@
           <a:p>
             <a:fld id="{56B98B0E-6C78-470D-93E8-7DC6905FE83A}" type="datetimeFigureOut">
               <a:rPr lang="en-US" smtClean="0"/>
-              <a:t>7/14/2020</a:t>
+              <a:t>7/23/2020</a:t>
             </a:fld>
             <a:endParaRPr lang="en-US"/>
           </a:p>
@@ -2908,7 +2914,7 @@
           <a:p>
             <a:fld id="{56B98B0E-6C78-470D-93E8-7DC6905FE83A}" type="datetimeFigureOut">
               <a:rPr lang="en-US" smtClean="0"/>
-              <a:t>7/14/2020</a:t>
+              <a:t>7/23/2020</a:t>
             </a:fld>
             <a:endParaRPr lang="en-US"/>
           </a:p>
@@ -3385,6 +3391,224 @@
       </p:grpSpPr>
       <p:pic>
         <p:nvPicPr>
+          <p:cNvPr id="34" name="Picture 33" descr="A close up of a map&#10;&#10;Description automatically generated">
+            <a:extLst>
+              <a:ext uri="{FF2B5EF4-FFF2-40B4-BE49-F238E27FC236}">
+                <a16:creationId xmlns:a16="http://schemas.microsoft.com/office/drawing/2014/main" id="{D62CFC13-F023-449D-9609-B1D09945AB7F}"/>
+              </a:ext>
+            </a:extLst>
+          </p:cNvPr>
+          <p:cNvPicPr>
+            <a:picLocks noChangeAspect="1"/>
+          </p:cNvPicPr>
+          <p:nvPr/>
+        </p:nvPicPr>
+        <p:blipFill>
+          <a:blip r:embed="rId2"/>
+          <a:stretch>
+            <a:fillRect/>
+          </a:stretch>
+        </p:blipFill>
+        <p:spPr>
+          <a:xfrm>
+            <a:off x="994427" y="321734"/>
+            <a:ext cx="4352314" cy="2905170"/>
+          </a:xfrm>
+          <a:prstGeom prst="rect">
+            <a:avLst/>
+          </a:prstGeom>
+        </p:spPr>
+      </p:pic>
+      <p:pic>
+        <p:nvPicPr>
+          <p:cNvPr id="39" name="Picture 38" descr="A close up of text on a white background&#10;&#10;Description automatically generated">
+            <a:extLst>
+              <a:ext uri="{FF2B5EF4-FFF2-40B4-BE49-F238E27FC236}">
+                <a16:creationId xmlns:a16="http://schemas.microsoft.com/office/drawing/2014/main" id="{7BE66399-2D25-453C-8EC0-BAE077255C0E}"/>
+              </a:ext>
+            </a:extLst>
+          </p:cNvPr>
+          <p:cNvPicPr>
+            <a:picLocks noChangeAspect="1"/>
+          </p:cNvPicPr>
+          <p:nvPr/>
+        </p:nvPicPr>
+        <p:blipFill rotWithShape="1">
+          <a:blip r:embed="rId3"/>
+          <a:srcRect t="17531" b="13087"/>
+          <a:stretch/>
+        </p:blipFill>
+        <p:spPr>
+          <a:xfrm>
+            <a:off x="7398807" y="53708"/>
+            <a:ext cx="3201459" cy="3173196"/>
+          </a:xfrm>
+          <a:prstGeom prst="rect">
+            <a:avLst/>
+          </a:prstGeom>
+        </p:spPr>
+      </p:pic>
+      <p:pic>
+        <p:nvPicPr>
+          <p:cNvPr id="36" name="Picture 35" descr="A close up of a map&#10;&#10;Description automatically generated">
+            <a:extLst>
+              <a:ext uri="{FF2B5EF4-FFF2-40B4-BE49-F238E27FC236}">
+                <a16:creationId xmlns:a16="http://schemas.microsoft.com/office/drawing/2014/main" id="{F583DA7A-B3CF-4BC5-8A3C-5DEAB1891120}"/>
+              </a:ext>
+            </a:extLst>
+          </p:cNvPr>
+          <p:cNvPicPr>
+            <a:picLocks noChangeAspect="1"/>
+          </p:cNvPicPr>
+          <p:nvPr/>
+        </p:nvPicPr>
+        <p:blipFill>
+          <a:blip r:embed="rId4"/>
+          <a:stretch>
+            <a:fillRect/>
+          </a:stretch>
+        </p:blipFill>
+        <p:spPr>
+          <a:xfrm>
+            <a:off x="1102749" y="4067161"/>
+            <a:ext cx="4135670" cy="2760560"/>
+          </a:xfrm>
+          <a:prstGeom prst="rect">
+            <a:avLst/>
+          </a:prstGeom>
+        </p:spPr>
+      </p:pic>
+      <p:pic>
+        <p:nvPicPr>
+          <p:cNvPr id="40" name="Picture 39" descr="A screenshot of a video game&#10;&#10;Description automatically generated">
+            <a:extLst>
+              <a:ext uri="{FF2B5EF4-FFF2-40B4-BE49-F238E27FC236}">
+                <a16:creationId xmlns:a16="http://schemas.microsoft.com/office/drawing/2014/main" id="{2359A4DD-02E2-49FC-B013-D1C681CC0670}"/>
+              </a:ext>
+            </a:extLst>
+          </p:cNvPr>
+          <p:cNvPicPr>
+            <a:picLocks noChangeAspect="1"/>
+          </p:cNvPicPr>
+          <p:nvPr/>
+        </p:nvPicPr>
+        <p:blipFill rotWithShape="1">
+          <a:blip r:embed="rId5"/>
+          <a:srcRect t="19382" b="17531"/>
+          <a:stretch/>
+        </p:blipFill>
+        <p:spPr>
+          <a:xfrm>
+            <a:off x="7163963" y="3617641"/>
+            <a:ext cx="4005793" cy="3210080"/>
+          </a:xfrm>
+          <a:prstGeom prst="rect">
+            <a:avLst/>
+          </a:prstGeom>
+        </p:spPr>
+      </p:pic>
+      <p:sp>
+        <p:nvSpPr>
+          <p:cNvPr id="41" name="TextBox 40">
+            <a:extLst>
+              <a:ext uri="{FF2B5EF4-FFF2-40B4-BE49-F238E27FC236}">
+                <a16:creationId xmlns:a16="http://schemas.microsoft.com/office/drawing/2014/main" id="{4D680490-2D84-4FC9-9203-6D2BCBE43BCE}"/>
+              </a:ext>
+            </a:extLst>
+          </p:cNvPr>
+          <p:cNvSpPr txBox="1"/>
+          <p:nvPr/>
+        </p:nvSpPr>
+        <p:spPr>
+          <a:xfrm>
+            <a:off x="2565685" y="30279"/>
+            <a:ext cx="1692813" cy="369332"/>
+          </a:xfrm>
+          <a:prstGeom prst="rect">
+            <a:avLst/>
+          </a:prstGeom>
+          <a:noFill/>
+        </p:spPr>
+        <p:txBody>
+          <a:bodyPr wrap="square" rtlCol="0">
+            <a:spAutoFit/>
+          </a:bodyPr>
+          <a:lstStyle/>
+          <a:p>
+            <a:r>
+              <a:rPr lang="en-US" dirty="0"/>
+              <a:t>Split 1</a:t>
+            </a:r>
+          </a:p>
+        </p:txBody>
+      </p:sp>
+      <p:sp>
+        <p:nvSpPr>
+          <p:cNvPr id="48" name="TextBox 47">
+            <a:extLst>
+              <a:ext uri="{FF2B5EF4-FFF2-40B4-BE49-F238E27FC236}">
+                <a16:creationId xmlns:a16="http://schemas.microsoft.com/office/drawing/2014/main" id="{B08365C5-8601-4E72-BC03-AE5037AD3402}"/>
+              </a:ext>
+            </a:extLst>
+          </p:cNvPr>
+          <p:cNvSpPr txBox="1"/>
+          <p:nvPr/>
+        </p:nvSpPr>
+        <p:spPr>
+          <a:xfrm>
+            <a:off x="2615170" y="3692527"/>
+            <a:ext cx="1692813" cy="369332"/>
+          </a:xfrm>
+          <a:prstGeom prst="rect">
+            <a:avLst/>
+          </a:prstGeom>
+          <a:noFill/>
+        </p:spPr>
+        <p:txBody>
+          <a:bodyPr wrap="square" rtlCol="0">
+            <a:spAutoFit/>
+          </a:bodyPr>
+          <a:lstStyle/>
+          <a:p>
+            <a:r>
+              <a:rPr lang="en-US" dirty="0"/>
+              <a:t>Split 2</a:t>
+            </a:r>
+          </a:p>
+        </p:txBody>
+      </p:sp>
+    </p:spTree>
+    <p:extLst>
+      <p:ext uri="{BB962C8B-B14F-4D97-AF65-F5344CB8AC3E}">
+        <p14:creationId xmlns:p14="http://schemas.microsoft.com/office/powerpoint/2010/main" val="4166119917"/>
+      </p:ext>
+    </p:extLst>
+  </p:cSld>
+  <p:clrMapOvr>
+    <a:masterClrMapping/>
+  </p:clrMapOvr>
+</p:sld>
+</file>
+
+<file path=ppt/slides/slide3.xml><?xml version="1.0" encoding="utf-8"?>
+<p:sld xmlns:a="http://schemas.openxmlformats.org/drawingml/2006/main" xmlns:r="http://schemas.openxmlformats.org/officeDocument/2006/relationships" xmlns:p="http://schemas.openxmlformats.org/presentationml/2006/main">
+  <p:cSld>
+    <p:spTree>
+      <p:nvGrpSpPr>
+        <p:cNvPr id="1" name=""/>
+        <p:cNvGrpSpPr/>
+        <p:nvPr/>
+      </p:nvGrpSpPr>
+      <p:grpSpPr>
+        <a:xfrm>
+          <a:off x="0" y="0"/>
+          <a:ext cx="0" cy="0"/>
+          <a:chOff x="0" y="0"/>
+          <a:chExt cx="0" cy="0"/>
+        </a:xfrm>
+      </p:grpSpPr>
+      <p:pic>
+        <p:nvPicPr>
           <p:cNvPr id="2" name="Picture 1">
             <a:extLst>
               <a:ext uri="{FF2B5EF4-FFF2-40B4-BE49-F238E27FC236}">
@@ -3455,7 +3679,7 @@
 </p:sld>
 </file>
 
-<file path=ppt/slides/slide3.xml><?xml version="1.0" encoding="utf-8"?>
+<file path=ppt/slides/slide4.xml><?xml version="1.0" encoding="utf-8"?>
 <p:sld xmlns:a="http://schemas.openxmlformats.org/drawingml/2006/main" xmlns:r="http://schemas.openxmlformats.org/officeDocument/2006/relationships" xmlns:p="http://schemas.openxmlformats.org/presentationml/2006/main">
   <p:cSld>
     <p:spTree>
@@ -3513,7 +3737,7 @@
 </p:sld>
 </file>
 
-<file path=ppt/slides/slide4.xml><?xml version="1.0" encoding="utf-8"?>
+<file path=ppt/slides/slide5.xml><?xml version="1.0" encoding="utf-8"?>
 <p:sld xmlns:a="http://schemas.openxmlformats.org/drawingml/2006/main" xmlns:r="http://schemas.openxmlformats.org/officeDocument/2006/relationships" xmlns:p="http://schemas.openxmlformats.org/presentationml/2006/main">
   <p:cSld>
     <p:spTree>
@@ -3884,7 +4108,7 @@
 </p:sld>
 </file>
 
-<file path=ppt/slides/slide5.xml><?xml version="1.0" encoding="utf-8"?>
+<file path=ppt/slides/slide6.xml><?xml version="1.0" encoding="utf-8"?>
 <p:sld xmlns:a="http://schemas.openxmlformats.org/drawingml/2006/main" xmlns:r="http://schemas.openxmlformats.org/officeDocument/2006/relationships" xmlns:p="http://schemas.openxmlformats.org/presentationml/2006/main">
   <p:cSld>
     <p:spTree>

--- a/Results/Clustering.pptx
+++ b/Results/Clustering.pptx
@@ -8,9 +8,13 @@
     <p:sldId id="260" r:id="rId2"/>
     <p:sldId id="263" r:id="rId3"/>
     <p:sldId id="261" r:id="rId4"/>
-    <p:sldId id="262" r:id="rId5"/>
-    <p:sldId id="257" r:id="rId6"/>
-    <p:sldId id="258" r:id="rId7"/>
+    <p:sldId id="265" r:id="rId5"/>
+    <p:sldId id="264" r:id="rId6"/>
+    <p:sldId id="262" r:id="rId7"/>
+    <p:sldId id="257" r:id="rId8"/>
+    <p:sldId id="258" r:id="rId9"/>
+    <p:sldId id="266" r:id="rId10"/>
+    <p:sldId id="267" r:id="rId11"/>
   </p:sldIdLst>
   <p:sldSz cx="12192000" cy="6858000"/>
   <p:notesSz cx="6858000" cy="9144000"/>
@@ -264,7 +268,7 @@
           <a:p>
             <a:fld id="{56B98B0E-6C78-470D-93E8-7DC6905FE83A}" type="datetimeFigureOut">
               <a:rPr lang="en-US" smtClean="0"/>
-              <a:t>7/23/2020</a:t>
+              <a:t>7/24/2020</a:t>
             </a:fld>
             <a:endParaRPr lang="en-US"/>
           </a:p>
@@ -462,7 +466,7 @@
           <a:p>
             <a:fld id="{56B98B0E-6C78-470D-93E8-7DC6905FE83A}" type="datetimeFigureOut">
               <a:rPr lang="en-US" smtClean="0"/>
-              <a:t>7/23/2020</a:t>
+              <a:t>7/24/2020</a:t>
             </a:fld>
             <a:endParaRPr lang="en-US"/>
           </a:p>
@@ -670,7 +674,7 @@
           <a:p>
             <a:fld id="{56B98B0E-6C78-470D-93E8-7DC6905FE83A}" type="datetimeFigureOut">
               <a:rPr lang="en-US" smtClean="0"/>
-              <a:t>7/23/2020</a:t>
+              <a:t>7/24/2020</a:t>
             </a:fld>
             <a:endParaRPr lang="en-US"/>
           </a:p>
@@ -868,7 +872,7 @@
           <a:p>
             <a:fld id="{56B98B0E-6C78-470D-93E8-7DC6905FE83A}" type="datetimeFigureOut">
               <a:rPr lang="en-US" smtClean="0"/>
-              <a:t>7/23/2020</a:t>
+              <a:t>7/24/2020</a:t>
             </a:fld>
             <a:endParaRPr lang="en-US"/>
           </a:p>
@@ -1143,7 +1147,7 @@
           <a:p>
             <a:fld id="{56B98B0E-6C78-470D-93E8-7DC6905FE83A}" type="datetimeFigureOut">
               <a:rPr lang="en-US" smtClean="0"/>
-              <a:t>7/23/2020</a:t>
+              <a:t>7/24/2020</a:t>
             </a:fld>
             <a:endParaRPr lang="en-US"/>
           </a:p>
@@ -1408,7 +1412,7 @@
           <a:p>
             <a:fld id="{56B98B0E-6C78-470D-93E8-7DC6905FE83A}" type="datetimeFigureOut">
               <a:rPr lang="en-US" smtClean="0"/>
-              <a:t>7/23/2020</a:t>
+              <a:t>7/24/2020</a:t>
             </a:fld>
             <a:endParaRPr lang="en-US"/>
           </a:p>
@@ -1820,7 +1824,7 @@
           <a:p>
             <a:fld id="{56B98B0E-6C78-470D-93E8-7DC6905FE83A}" type="datetimeFigureOut">
               <a:rPr lang="en-US" smtClean="0"/>
-              <a:t>7/23/2020</a:t>
+              <a:t>7/24/2020</a:t>
             </a:fld>
             <a:endParaRPr lang="en-US"/>
           </a:p>
@@ -1961,7 +1965,7 @@
           <a:p>
             <a:fld id="{56B98B0E-6C78-470D-93E8-7DC6905FE83A}" type="datetimeFigureOut">
               <a:rPr lang="en-US" smtClean="0"/>
-              <a:t>7/23/2020</a:t>
+              <a:t>7/24/2020</a:t>
             </a:fld>
             <a:endParaRPr lang="en-US"/>
           </a:p>
@@ -2074,7 +2078,7 @@
           <a:p>
             <a:fld id="{56B98B0E-6C78-470D-93E8-7DC6905FE83A}" type="datetimeFigureOut">
               <a:rPr lang="en-US" smtClean="0"/>
-              <a:t>7/23/2020</a:t>
+              <a:t>7/24/2020</a:t>
             </a:fld>
             <a:endParaRPr lang="en-US"/>
           </a:p>
@@ -2385,7 +2389,7 @@
           <a:p>
             <a:fld id="{56B98B0E-6C78-470D-93E8-7DC6905FE83A}" type="datetimeFigureOut">
               <a:rPr lang="en-US" smtClean="0"/>
-              <a:t>7/23/2020</a:t>
+              <a:t>7/24/2020</a:t>
             </a:fld>
             <a:endParaRPr lang="en-US"/>
           </a:p>
@@ -2673,7 +2677,7 @@
           <a:p>
             <a:fld id="{56B98B0E-6C78-470D-93E8-7DC6905FE83A}" type="datetimeFigureOut">
               <a:rPr lang="en-US" smtClean="0"/>
-              <a:t>7/23/2020</a:t>
+              <a:t>7/24/2020</a:t>
             </a:fld>
             <a:endParaRPr lang="en-US"/>
           </a:p>
@@ -2914,7 +2918,7 @@
           <a:p>
             <a:fld id="{56B98B0E-6C78-470D-93E8-7DC6905FE83A}" type="datetimeFigureOut">
               <a:rPr lang="en-US" smtClean="0"/>
-              <a:t>7/23/2020</a:t>
+              <a:t>7/24/2020</a:t>
             </a:fld>
             <a:endParaRPr lang="en-US"/>
           </a:p>
@@ -3372,6 +3376,293 @@
 </p:sld>
 </file>
 
+<file path=ppt/slides/slide10.xml><?xml version="1.0" encoding="utf-8"?>
+<p:sld xmlns:a="http://schemas.openxmlformats.org/drawingml/2006/main" xmlns:r="http://schemas.openxmlformats.org/officeDocument/2006/relationships" xmlns:p="http://schemas.openxmlformats.org/presentationml/2006/main">
+  <p:cSld>
+    <p:bg>
+      <p:bgPr>
+        <a:solidFill>
+          <a:schemeClr val="bg1"/>
+        </a:solidFill>
+        <a:effectLst/>
+      </p:bgPr>
+    </p:bg>
+    <p:spTree>
+      <p:nvGrpSpPr>
+        <p:cNvPr id="1" name=""/>
+        <p:cNvGrpSpPr/>
+        <p:nvPr/>
+      </p:nvGrpSpPr>
+      <p:grpSpPr>
+        <a:xfrm>
+          <a:off x="0" y="0"/>
+          <a:ext cx="0" cy="0"/>
+          <a:chOff x="0" y="0"/>
+          <a:chExt cx="0" cy="0"/>
+        </a:xfrm>
+      </p:grpSpPr>
+      <p:sp>
+        <p:nvSpPr>
+          <p:cNvPr id="10" name="Rectangle 9">
+            <a:extLst>
+              <a:ext uri="{FF2B5EF4-FFF2-40B4-BE49-F238E27FC236}">
+                <a16:creationId xmlns:a16="http://schemas.microsoft.com/office/drawing/2014/main" id="{A9F529C3-C941-49FD-8C67-82F134F64BDB}"/>
+              </a:ext>
+              <a:ext uri="{C183D7F6-B498-43B3-948B-1728B52AA6E4}">
+                <adec:decorative xmlns:adec="http://schemas.microsoft.com/office/drawing/2017/decorative" val="1"/>
+              </a:ext>
+            </a:extLst>
+          </p:cNvPr>
+          <p:cNvSpPr>
+            <a:spLocks noGrp="1" noRot="1" noChangeAspect="1" noMove="1" noResize="1" noEditPoints="1" noAdjustHandles="1" noChangeArrowheads="1" noChangeShapeType="1" noTextEdit="1"/>
+          </p:cNvSpPr>
+          <p:nvPr>
+            <p:extLst>
+              <p:ext uri="{386F3935-93C4-4BCD-93E2-E3B085C9AB24}">
+                <p16:designElem xmlns:p16="http://schemas.microsoft.com/office/powerpoint/2015/main" val="1"/>
+              </p:ext>
+            </p:extLst>
+          </p:nvPr>
+        </p:nvSpPr>
+        <p:spPr>
+          <a:xfrm>
+            <a:off x="0" y="0"/>
+            <a:ext cx="12192000" cy="6858000"/>
+          </a:xfrm>
+          <a:prstGeom prst="rect">
+            <a:avLst/>
+          </a:prstGeom>
+          <a:solidFill>
+            <a:schemeClr val="tx1">
+              <a:lumMod val="50000"/>
+              <a:lumOff val="50000"/>
+              <a:alpha val="30000"/>
+            </a:schemeClr>
+          </a:solidFill>
+          <a:ln>
+            <a:noFill/>
+          </a:ln>
+        </p:spPr>
+        <p:style>
+          <a:lnRef idx="2">
+            <a:schemeClr val="accent1">
+              <a:shade val="50000"/>
+            </a:schemeClr>
+          </a:lnRef>
+          <a:fillRef idx="1">
+            <a:schemeClr val="accent1"/>
+          </a:fillRef>
+          <a:effectRef idx="0">
+            <a:schemeClr val="accent1"/>
+          </a:effectRef>
+          <a:fontRef idx="minor">
+            <a:schemeClr val="lt1"/>
+          </a:fontRef>
+        </p:style>
+        <p:txBody>
+          <a:bodyPr rtlCol="0" anchor="ctr"/>
+          <a:lstStyle/>
+          <a:p>
+            <a:pPr algn="ctr"/>
+            <a:endParaRPr lang="en-US"/>
+          </a:p>
+        </p:txBody>
+      </p:sp>
+      <p:sp>
+        <p:nvSpPr>
+          <p:cNvPr id="12" name="Rectangle 11">
+            <a:extLst>
+              <a:ext uri="{FF2B5EF4-FFF2-40B4-BE49-F238E27FC236}">
+                <a16:creationId xmlns:a16="http://schemas.microsoft.com/office/drawing/2014/main" id="{20586029-32A0-47E5-9AEC-AE3ABA6B94D0}"/>
+              </a:ext>
+              <a:ext uri="{C183D7F6-B498-43B3-948B-1728B52AA6E4}">
+                <adec:decorative xmlns:adec="http://schemas.microsoft.com/office/drawing/2017/decorative" val="1"/>
+              </a:ext>
+            </a:extLst>
+          </p:cNvPr>
+          <p:cNvSpPr>
+            <a:spLocks noGrp="1" noRot="1" noChangeAspect="1" noMove="1" noResize="1" noEditPoints="1" noAdjustHandles="1" noChangeArrowheads="1" noChangeShapeType="1" noTextEdit="1"/>
+          </p:cNvSpPr>
+          <p:nvPr>
+            <p:extLst>
+              <p:ext uri="{386F3935-93C4-4BCD-93E2-E3B085C9AB24}">
+                <p16:designElem xmlns:p16="http://schemas.microsoft.com/office/powerpoint/2015/main" val="1"/>
+              </p:ext>
+            </p:extLst>
+          </p:nvPr>
+        </p:nvSpPr>
+        <p:spPr>
+          <a:xfrm>
+            <a:off x="477012" y="480060"/>
+            <a:ext cx="11237976" cy="5897880"/>
+          </a:xfrm>
+          <a:prstGeom prst="rect">
+            <a:avLst/>
+          </a:prstGeom>
+          <a:solidFill>
+            <a:srgbClr val="FFFFFF"/>
+          </a:solidFill>
+          <a:ln w="9525">
+            <a:noFill/>
+          </a:ln>
+          <a:effectLst>
+            <a:outerShdw blurRad="63500" dist="17780" dir="5400000" algn="t" rotWithShape="0">
+              <a:prstClr val="black">
+                <a:alpha val="43000"/>
+              </a:prstClr>
+            </a:outerShdw>
+          </a:effectLst>
+        </p:spPr>
+        <p:style>
+          <a:lnRef idx="2">
+            <a:schemeClr val="accent1">
+              <a:shade val="50000"/>
+            </a:schemeClr>
+          </a:lnRef>
+          <a:fillRef idx="1">
+            <a:schemeClr val="accent1"/>
+          </a:fillRef>
+          <a:effectRef idx="0">
+            <a:schemeClr val="accent1"/>
+          </a:effectRef>
+          <a:fontRef idx="minor">
+            <a:schemeClr val="lt1"/>
+          </a:fontRef>
+        </p:style>
+        <p:txBody>
+          <a:bodyPr rtlCol="0" anchor="ctr"/>
+          <a:lstStyle/>
+          <a:p>
+            <a:pPr algn="ctr"/>
+            <a:endParaRPr lang="en-US"/>
+          </a:p>
+        </p:txBody>
+      </p:sp>
+      <p:pic>
+        <p:nvPicPr>
+          <p:cNvPr id="5" name="Picture 4">
+            <a:extLst>
+              <a:ext uri="{FF2B5EF4-FFF2-40B4-BE49-F238E27FC236}">
+                <a16:creationId xmlns:a16="http://schemas.microsoft.com/office/drawing/2014/main" id="{BF1D5DA7-D15E-428C-96DB-801BB8E8E711}"/>
+              </a:ext>
+            </a:extLst>
+          </p:cNvPr>
+          <p:cNvPicPr>
+            <a:picLocks noChangeAspect="1"/>
+          </p:cNvPicPr>
+          <p:nvPr/>
+        </p:nvPicPr>
+        <p:blipFill>
+          <a:blip r:embed="rId2"/>
+          <a:stretch>
+            <a:fillRect/>
+          </a:stretch>
+        </p:blipFill>
+        <p:spPr>
+          <a:xfrm>
+            <a:off x="643467" y="1794255"/>
+            <a:ext cx="5294716" cy="3269487"/>
+          </a:xfrm>
+          <a:prstGeom prst="rect">
+            <a:avLst/>
+          </a:prstGeom>
+        </p:spPr>
+      </p:pic>
+      <p:cxnSp>
+        <p:nvCxnSpPr>
+          <p:cNvPr id="14" name="Straight Connector 13">
+            <a:extLst>
+              <a:ext uri="{FF2B5EF4-FFF2-40B4-BE49-F238E27FC236}">
+                <a16:creationId xmlns:a16="http://schemas.microsoft.com/office/drawing/2014/main" id="{8C730EAB-A532-4295-A302-FB4B90DB9F5E}"/>
+              </a:ext>
+              <a:ext uri="{C183D7F6-B498-43B3-948B-1728B52AA6E4}">
+                <adec:decorative xmlns:adec="http://schemas.microsoft.com/office/drawing/2017/decorative" val="1"/>
+              </a:ext>
+            </a:extLst>
+          </p:cNvPr>
+          <p:cNvCxnSpPr>
+            <a:cxnSpLocks noGrp="1" noRot="1" noChangeAspect="1" noMove="1" noResize="1" noEditPoints="1" noAdjustHandles="1" noChangeArrowheads="1" noChangeShapeType="1"/>
+          </p:cNvCxnSpPr>
+          <p:nvPr>
+            <p:extLst>
+              <p:ext uri="{386F3935-93C4-4BCD-93E2-E3B085C9AB24}">
+                <p16:designElem xmlns:p16="http://schemas.microsoft.com/office/powerpoint/2015/main" val="1"/>
+              </p:ext>
+            </p:extLst>
+          </p:nvPr>
+        </p:nvCxnSpPr>
+        <p:spPr>
+          <a:xfrm>
+            <a:off x="6079958" y="1143000"/>
+            <a:ext cx="0" cy="4572000"/>
+          </a:xfrm>
+          <a:prstGeom prst="line">
+            <a:avLst/>
+          </a:prstGeom>
+          <a:ln>
+            <a:solidFill>
+              <a:srgbClr val="4E4E4E"/>
+            </a:solidFill>
+          </a:ln>
+        </p:spPr>
+        <p:style>
+          <a:lnRef idx="1">
+            <a:schemeClr val="accent1"/>
+          </a:lnRef>
+          <a:fillRef idx="0">
+            <a:schemeClr val="accent1"/>
+          </a:fillRef>
+          <a:effectRef idx="0">
+            <a:schemeClr val="accent1"/>
+          </a:effectRef>
+          <a:fontRef idx="minor">
+            <a:schemeClr val="tx1"/>
+          </a:fontRef>
+        </p:style>
+      </p:cxnSp>
+      <p:pic>
+        <p:nvPicPr>
+          <p:cNvPr id="3" name="Picture 2">
+            <a:extLst>
+              <a:ext uri="{FF2B5EF4-FFF2-40B4-BE49-F238E27FC236}">
+                <a16:creationId xmlns:a16="http://schemas.microsoft.com/office/drawing/2014/main" id="{FEF11DCE-5600-4396-AAD4-7558A749B4F2}"/>
+              </a:ext>
+            </a:extLst>
+          </p:cNvPr>
+          <p:cNvPicPr>
+            <a:picLocks noChangeAspect="1"/>
+          </p:cNvPicPr>
+          <p:nvPr/>
+        </p:nvPicPr>
+        <p:blipFill>
+          <a:blip r:embed="rId3"/>
+          <a:stretch>
+            <a:fillRect/>
+          </a:stretch>
+        </p:blipFill>
+        <p:spPr>
+          <a:xfrm>
+            <a:off x="6253817" y="1794257"/>
+            <a:ext cx="5294715" cy="3269486"/>
+          </a:xfrm>
+          <a:prstGeom prst="rect">
+            <a:avLst/>
+          </a:prstGeom>
+        </p:spPr>
+      </p:pic>
+    </p:spTree>
+    <p:extLst>
+      <p:ext uri="{BB962C8B-B14F-4D97-AF65-F5344CB8AC3E}">
+        <p14:creationId xmlns:p14="http://schemas.microsoft.com/office/powerpoint/2010/main" val="989114135"/>
+      </p:ext>
+    </p:extLst>
+  </p:cSld>
+  <p:clrMapOvr>
+    <a:masterClrMapping/>
+  </p:clrMapOvr>
+</p:sld>
+</file>
+
 <file path=ppt/slides/slide2.xml><?xml version="1.0" encoding="utf-8"?>
 <p:sld xmlns:a="http://schemas.openxmlformats.org/drawingml/2006/main" xmlns:r="http://schemas.openxmlformats.org/officeDocument/2006/relationships" xmlns:p="http://schemas.openxmlformats.org/presentationml/2006/main">
   <p:cSld>
@@ -3696,38 +3987,40 @@
           <a:chExt cx="0" cy="0"/>
         </a:xfrm>
       </p:grpSpPr>
-      <p:sp>
-        <p:nvSpPr>
-          <p:cNvPr id="2" name="Title 1">
-            <a:extLst>
-              <a:ext uri="{FF2B5EF4-FFF2-40B4-BE49-F238E27FC236}">
-                <a16:creationId xmlns:a16="http://schemas.microsoft.com/office/drawing/2014/main" id="{575A7342-1F6D-4A14-9B39-2FDD30AEC6D3}"/>
-              </a:ext>
-            </a:extLst>
-          </p:cNvPr>
-          <p:cNvSpPr>
-            <a:spLocks noGrp="1"/>
-          </p:cNvSpPr>
-          <p:nvPr>
-            <p:ph type="ctrTitle"/>
-          </p:nvPr>
-        </p:nvSpPr>
-        <p:spPr/>
-        <p:txBody>
-          <a:bodyPr/>
-          <a:lstStyle/>
-          <a:p>
-            <a:r>
-              <a:rPr lang="en-US" dirty="0"/>
-              <a:t>Functional Connectivity Clusters</a:t>
-            </a:r>
-          </a:p>
-        </p:txBody>
-      </p:sp>
+      <p:pic>
+        <p:nvPicPr>
+          <p:cNvPr id="2" name="Picture 1">
+            <a:extLst>
+              <a:ext uri="{FF2B5EF4-FFF2-40B4-BE49-F238E27FC236}">
+                <a16:creationId xmlns:a16="http://schemas.microsoft.com/office/drawing/2014/main" id="{7FD6F8AA-31EE-4CB5-8B8F-FEC8DF7BD660}"/>
+              </a:ext>
+            </a:extLst>
+          </p:cNvPr>
+          <p:cNvPicPr>
+            <a:picLocks noChangeAspect="1"/>
+          </p:cNvPicPr>
+          <p:nvPr/>
+        </p:nvPicPr>
+        <p:blipFill>
+          <a:blip r:embed="rId2"/>
+          <a:stretch>
+            <a:fillRect/>
+          </a:stretch>
+        </p:blipFill>
+        <p:spPr>
+          <a:xfrm>
+            <a:off x="1751388" y="688376"/>
+            <a:ext cx="8878512" cy="5481248"/>
+          </a:xfrm>
+          <a:prstGeom prst="rect">
+            <a:avLst/>
+          </a:prstGeom>
+        </p:spPr>
+      </p:pic>
     </p:spTree>
     <p:extLst>
       <p:ext uri="{BB962C8B-B14F-4D97-AF65-F5344CB8AC3E}">
-        <p14:creationId xmlns:p14="http://schemas.microsoft.com/office/powerpoint/2010/main" val="721845529"/>
+        <p14:creationId xmlns:p14="http://schemas.microsoft.com/office/powerpoint/2010/main" val="2925599922"/>
       </p:ext>
     </p:extLst>
   </p:cSld>
@@ -3740,6 +4033,14 @@
 <file path=ppt/slides/slide5.xml><?xml version="1.0" encoding="utf-8"?>
 <p:sld xmlns:a="http://schemas.openxmlformats.org/drawingml/2006/main" xmlns:r="http://schemas.openxmlformats.org/officeDocument/2006/relationships" xmlns:p="http://schemas.openxmlformats.org/presentationml/2006/main">
   <p:cSld>
+    <p:bg>
+      <p:bgPr>
+        <a:solidFill>
+          <a:schemeClr val="bg1"/>
+        </a:solidFill>
+        <a:effectLst/>
+      </p:bgPr>
+    </p:bg>
     <p:spTree>
       <p:nvGrpSpPr>
         <p:cNvPr id="1" name=""/>
@@ -3756,52 +4057,147 @@
       </p:grpSpPr>
       <p:sp>
         <p:nvSpPr>
-          <p:cNvPr id="2" name="Title 1">
-            <a:extLst>
-              <a:ext uri="{FF2B5EF4-FFF2-40B4-BE49-F238E27FC236}">
-                <a16:creationId xmlns:a16="http://schemas.microsoft.com/office/drawing/2014/main" id="{7AB36589-A3A0-4D08-9353-DD7EAF1F8561}"/>
-              </a:ext>
-            </a:extLst>
-          </p:cNvPr>
-          <p:cNvSpPr>
-            <a:spLocks noGrp="1"/>
-          </p:cNvSpPr>
-          <p:nvPr>
-            <p:ph type="title"/>
-          </p:nvPr>
-        </p:nvSpPr>
-        <p:spPr>
-          <a:xfrm>
-            <a:off x="1185065" y="1324294"/>
-            <a:ext cx="1466068" cy="550477"/>
-          </a:xfrm>
-        </p:spPr>
-        <p:txBody>
-          <a:bodyPr>
-            <a:normAutofit fontScale="90000"/>
-          </a:bodyPr>
-          <a:lstStyle/>
-          <a:p>
-            <a:r>
-              <a:rPr lang="en-US" sz="2400" dirty="0"/>
-              <a:t>Ages 5 – 9</a:t>
-            </a:r>
-            <a:br>
-              <a:rPr lang="en-US" sz="2400" dirty="0"/>
-            </a:br>
-            <a:r>
-              <a:rPr lang="en-US" sz="2400" dirty="0"/>
-              <a:t>n = (223) </a:t>
-            </a:r>
+          <p:cNvPr id="14" name="Rectangle 13">
+            <a:extLst>
+              <a:ext uri="{FF2B5EF4-FFF2-40B4-BE49-F238E27FC236}">
+                <a16:creationId xmlns:a16="http://schemas.microsoft.com/office/drawing/2014/main" id="{A9F529C3-C941-49FD-8C67-82F134F64BDB}"/>
+              </a:ext>
+              <a:ext uri="{C183D7F6-B498-43B3-948B-1728B52AA6E4}">
+                <adec:decorative xmlns:adec="http://schemas.microsoft.com/office/drawing/2017/decorative" val="1"/>
+              </a:ext>
+            </a:extLst>
+          </p:cNvPr>
+          <p:cNvSpPr>
+            <a:spLocks noGrp="1" noRot="1" noChangeAspect="1" noMove="1" noResize="1" noEditPoints="1" noAdjustHandles="1" noChangeArrowheads="1" noChangeShapeType="1" noTextEdit="1"/>
+          </p:cNvSpPr>
+          <p:nvPr>
+            <p:extLst>
+              <p:ext uri="{386F3935-93C4-4BCD-93E2-E3B085C9AB24}">
+                <p16:designElem xmlns:p16="http://schemas.microsoft.com/office/powerpoint/2015/main" val="1"/>
+              </p:ext>
+            </p:extLst>
+          </p:nvPr>
+        </p:nvSpPr>
+        <p:spPr>
+          <a:xfrm>
+            <a:off x="0" y="0"/>
+            <a:ext cx="12192000" cy="6858000"/>
+          </a:xfrm>
+          <a:prstGeom prst="rect">
+            <a:avLst/>
+          </a:prstGeom>
+          <a:solidFill>
+            <a:schemeClr val="tx1">
+              <a:lumMod val="50000"/>
+              <a:lumOff val="50000"/>
+              <a:alpha val="30000"/>
+            </a:schemeClr>
+          </a:solidFill>
+          <a:ln>
+            <a:noFill/>
+          </a:ln>
+        </p:spPr>
+        <p:style>
+          <a:lnRef idx="2">
+            <a:schemeClr val="accent1">
+              <a:shade val="50000"/>
+            </a:schemeClr>
+          </a:lnRef>
+          <a:fillRef idx="1">
+            <a:schemeClr val="accent1"/>
+          </a:fillRef>
+          <a:effectRef idx="0">
+            <a:schemeClr val="accent1"/>
+          </a:effectRef>
+          <a:fontRef idx="minor">
+            <a:schemeClr val="lt1"/>
+          </a:fontRef>
+        </p:style>
+        <p:txBody>
+          <a:bodyPr rtlCol="0" anchor="ctr"/>
+          <a:lstStyle/>
+          <a:p>
+            <a:pPr algn="ctr"/>
+            <a:endParaRPr lang="en-US"/>
+          </a:p>
+        </p:txBody>
+      </p:sp>
+      <p:sp>
+        <p:nvSpPr>
+          <p:cNvPr id="16" name="Rectangle 15">
+            <a:extLst>
+              <a:ext uri="{FF2B5EF4-FFF2-40B4-BE49-F238E27FC236}">
+                <a16:creationId xmlns:a16="http://schemas.microsoft.com/office/drawing/2014/main" id="{20586029-32A0-47E5-9AEC-AE3ABA6B94D0}"/>
+              </a:ext>
+              <a:ext uri="{C183D7F6-B498-43B3-948B-1728B52AA6E4}">
+                <adec:decorative xmlns:adec="http://schemas.microsoft.com/office/drawing/2017/decorative" val="1"/>
+              </a:ext>
+            </a:extLst>
+          </p:cNvPr>
+          <p:cNvSpPr>
+            <a:spLocks noGrp="1" noRot="1" noChangeAspect="1" noMove="1" noResize="1" noEditPoints="1" noAdjustHandles="1" noChangeArrowheads="1" noChangeShapeType="1" noTextEdit="1"/>
+          </p:cNvSpPr>
+          <p:nvPr>
+            <p:extLst>
+              <p:ext uri="{386F3935-93C4-4BCD-93E2-E3B085C9AB24}">
+                <p16:designElem xmlns:p16="http://schemas.microsoft.com/office/powerpoint/2015/main" val="1"/>
+              </p:ext>
+            </p:extLst>
+          </p:nvPr>
+        </p:nvSpPr>
+        <p:spPr>
+          <a:xfrm>
+            <a:off x="477012" y="480060"/>
+            <a:ext cx="11237976" cy="5897880"/>
+          </a:xfrm>
+          <a:prstGeom prst="rect">
+            <a:avLst/>
+          </a:prstGeom>
+          <a:solidFill>
+            <a:srgbClr val="FFFFFF"/>
+          </a:solidFill>
+          <a:ln w="9525">
+            <a:noFill/>
+          </a:ln>
+          <a:effectLst>
+            <a:outerShdw blurRad="63500" dist="17780" dir="5400000" algn="t" rotWithShape="0">
+              <a:prstClr val="black">
+                <a:alpha val="43000"/>
+              </a:prstClr>
+            </a:outerShdw>
+          </a:effectLst>
+        </p:spPr>
+        <p:style>
+          <a:lnRef idx="2">
+            <a:schemeClr val="accent1">
+              <a:shade val="50000"/>
+            </a:schemeClr>
+          </a:lnRef>
+          <a:fillRef idx="1">
+            <a:schemeClr val="accent1"/>
+          </a:fillRef>
+          <a:effectRef idx="0">
+            <a:schemeClr val="accent1"/>
+          </a:effectRef>
+          <a:fontRef idx="minor">
+            <a:schemeClr val="lt1"/>
+          </a:fontRef>
+        </p:style>
+        <p:txBody>
+          <a:bodyPr rtlCol="0" anchor="ctr"/>
+          <a:lstStyle/>
+          <a:p>
+            <a:pPr algn="ctr"/>
+            <a:endParaRPr lang="en-US"/>
           </a:p>
         </p:txBody>
       </p:sp>
       <p:pic>
         <p:nvPicPr>
-          <p:cNvPr id="4" name="Picture 3">
-            <a:extLst>
-              <a:ext uri="{FF2B5EF4-FFF2-40B4-BE49-F238E27FC236}">
-                <a16:creationId xmlns:a16="http://schemas.microsoft.com/office/drawing/2014/main" id="{5E54A1ED-823B-41D2-AC0E-817DC8C706AE}"/>
+          <p:cNvPr id="9" name="Picture 8">
+            <a:extLst>
+              <a:ext uri="{FF2B5EF4-FFF2-40B4-BE49-F238E27FC236}">
+                <a16:creationId xmlns:a16="http://schemas.microsoft.com/office/drawing/2014/main" id="{CBF3F402-BE31-4910-BDFD-24CF1B22DE4F}"/>
               </a:ext>
             </a:extLst>
           </p:cNvPr>
@@ -3818,20 +4214,72 @@
         </p:blipFill>
         <p:spPr>
           <a:xfrm>
-            <a:off x="135733" y="1874772"/>
-            <a:ext cx="3564732" cy="2376488"/>
+            <a:off x="643467" y="1794255"/>
+            <a:ext cx="5294716" cy="3269487"/>
           </a:xfrm>
           <a:prstGeom prst="rect">
             <a:avLst/>
           </a:prstGeom>
         </p:spPr>
       </p:pic>
+      <p:cxnSp>
+        <p:nvCxnSpPr>
+          <p:cNvPr id="18" name="Straight Connector 17">
+            <a:extLst>
+              <a:ext uri="{FF2B5EF4-FFF2-40B4-BE49-F238E27FC236}">
+                <a16:creationId xmlns:a16="http://schemas.microsoft.com/office/drawing/2014/main" id="{8C730EAB-A532-4295-A302-FB4B90DB9F5E}"/>
+              </a:ext>
+              <a:ext uri="{C183D7F6-B498-43B3-948B-1728B52AA6E4}">
+                <adec:decorative xmlns:adec="http://schemas.microsoft.com/office/drawing/2017/decorative" val="1"/>
+              </a:ext>
+            </a:extLst>
+          </p:cNvPr>
+          <p:cNvCxnSpPr>
+            <a:cxnSpLocks noGrp="1" noRot="1" noChangeAspect="1" noMove="1" noResize="1" noEditPoints="1" noAdjustHandles="1" noChangeArrowheads="1" noChangeShapeType="1"/>
+          </p:cNvCxnSpPr>
+          <p:nvPr>
+            <p:extLst>
+              <p:ext uri="{386F3935-93C4-4BCD-93E2-E3B085C9AB24}">
+                <p16:designElem xmlns:p16="http://schemas.microsoft.com/office/powerpoint/2015/main" val="1"/>
+              </p:ext>
+            </p:extLst>
+          </p:nvPr>
+        </p:nvCxnSpPr>
+        <p:spPr>
+          <a:xfrm>
+            <a:off x="6079958" y="1143000"/>
+            <a:ext cx="0" cy="4572000"/>
+          </a:xfrm>
+          <a:prstGeom prst="line">
+            <a:avLst/>
+          </a:prstGeom>
+          <a:ln>
+            <a:solidFill>
+              <a:srgbClr val="4E4E4E"/>
+            </a:solidFill>
+          </a:ln>
+        </p:spPr>
+        <p:style>
+          <a:lnRef idx="1">
+            <a:schemeClr val="accent1"/>
+          </a:lnRef>
+          <a:fillRef idx="0">
+            <a:schemeClr val="accent1"/>
+          </a:fillRef>
+          <a:effectRef idx="0">
+            <a:schemeClr val="accent1"/>
+          </a:effectRef>
+          <a:fontRef idx="minor">
+            <a:schemeClr val="tx1"/>
+          </a:fontRef>
+        </p:style>
+      </p:cxnSp>
       <p:pic>
         <p:nvPicPr>
-          <p:cNvPr id="5" name="Picture 4">
-            <a:extLst>
-              <a:ext uri="{FF2B5EF4-FFF2-40B4-BE49-F238E27FC236}">
-                <a16:creationId xmlns:a16="http://schemas.microsoft.com/office/drawing/2014/main" id="{9D6776E3-2FD9-4C16-A6BA-6435BF55F7CE}"/>
+          <p:cNvPr id="8" name="Picture 7">
+            <a:extLst>
+              <a:ext uri="{FF2B5EF4-FFF2-40B4-BE49-F238E27FC236}">
+                <a16:creationId xmlns:a16="http://schemas.microsoft.com/office/drawing/2014/main" id="{9C148BDA-631B-42DE-A72B-2B299560431D}"/>
               </a:ext>
             </a:extLst>
           </p:cNvPr>
@@ -3848,257 +4296,18 @@
         </p:blipFill>
         <p:spPr>
           <a:xfrm>
-            <a:off x="8053387" y="1874771"/>
-            <a:ext cx="3929063" cy="2619375"/>
+            <a:off x="6253817" y="1794257"/>
+            <a:ext cx="5294715" cy="3269486"/>
           </a:xfrm>
           <a:prstGeom prst="rect">
             <a:avLst/>
           </a:prstGeom>
         </p:spPr>
       </p:pic>
-      <p:pic>
-        <p:nvPicPr>
-          <p:cNvPr id="7" name="Picture 6">
-            <a:extLst>
-              <a:ext uri="{FF2B5EF4-FFF2-40B4-BE49-F238E27FC236}">
-                <a16:creationId xmlns:a16="http://schemas.microsoft.com/office/drawing/2014/main" id="{203ADF52-D284-44E0-813E-2B94408B58FF}"/>
-              </a:ext>
-            </a:extLst>
-          </p:cNvPr>
-          <p:cNvPicPr>
-            <a:picLocks noChangeAspect="1"/>
-          </p:cNvPicPr>
-          <p:nvPr/>
-        </p:nvPicPr>
-        <p:blipFill>
-          <a:blip r:embed="rId4"/>
-          <a:stretch>
-            <a:fillRect/>
-          </a:stretch>
-        </p:blipFill>
-        <p:spPr>
-          <a:xfrm>
-            <a:off x="4017169" y="1874772"/>
-            <a:ext cx="3929063" cy="2619375"/>
-          </a:xfrm>
-          <a:prstGeom prst="rect">
-            <a:avLst/>
-          </a:prstGeom>
-        </p:spPr>
-      </p:pic>
-      <p:sp>
-        <p:nvSpPr>
-          <p:cNvPr id="8" name="Title 1">
-            <a:extLst>
-              <a:ext uri="{FF2B5EF4-FFF2-40B4-BE49-F238E27FC236}">
-                <a16:creationId xmlns:a16="http://schemas.microsoft.com/office/drawing/2014/main" id="{943B7FAA-5844-4677-92FF-9FD508E2A015}"/>
-              </a:ext>
-            </a:extLst>
-          </p:cNvPr>
-          <p:cNvSpPr txBox="1">
-            <a:spLocks/>
-          </p:cNvSpPr>
-          <p:nvPr/>
-        </p:nvSpPr>
-        <p:spPr>
-          <a:xfrm>
-            <a:off x="5248666" y="1324294"/>
-            <a:ext cx="1609334" cy="550477"/>
-          </a:xfrm>
-          <a:prstGeom prst="rect">
-            <a:avLst/>
-          </a:prstGeom>
-        </p:spPr>
-        <p:txBody>
-          <a:bodyPr vert="horz" lIns="91440" tIns="45720" rIns="91440" bIns="45720" rtlCol="0" anchor="ctr">
-            <a:normAutofit fontScale="85000" lnSpcReduction="20000"/>
-          </a:bodyPr>
-          <a:lstStyle>
-            <a:lvl1pPr algn="l" defTabSz="914400" rtl="0" eaLnBrk="1" latinLnBrk="0" hangingPunct="1">
-              <a:lnSpc>
-                <a:spcPct val="90000"/>
-              </a:lnSpc>
-              <a:spcBef>
-                <a:spcPct val="0"/>
-              </a:spcBef>
-              <a:buNone/>
-              <a:defRPr sz="4400" kern="1200">
-                <a:solidFill>
-                  <a:schemeClr val="tx1"/>
-                </a:solidFill>
-                <a:latin typeface="+mj-lt"/>
-                <a:ea typeface="+mj-ea"/>
-                <a:cs typeface="+mj-cs"/>
-              </a:defRPr>
-            </a:lvl1pPr>
-          </a:lstStyle>
-          <a:p>
-            <a:r>
-              <a:rPr lang="en-US" sz="2400" dirty="0"/>
-              <a:t>Ages 10 – 12</a:t>
-            </a:r>
-          </a:p>
-          <a:p>
-            <a:r>
-              <a:rPr lang="en-US" sz="2400" dirty="0"/>
-              <a:t>n =  (257)</a:t>
-            </a:r>
-          </a:p>
-        </p:txBody>
-      </p:sp>
-      <p:sp>
-        <p:nvSpPr>
-          <p:cNvPr id="9" name="Title 1">
-            <a:extLst>
-              <a:ext uri="{FF2B5EF4-FFF2-40B4-BE49-F238E27FC236}">
-                <a16:creationId xmlns:a16="http://schemas.microsoft.com/office/drawing/2014/main" id="{7C59AAB0-2618-49E4-9BB6-1BD806B20202}"/>
-              </a:ext>
-            </a:extLst>
-          </p:cNvPr>
-          <p:cNvSpPr txBox="1">
-            <a:spLocks/>
-          </p:cNvSpPr>
-          <p:nvPr/>
-        </p:nvSpPr>
-        <p:spPr>
-          <a:xfrm>
-            <a:off x="9310914" y="1324294"/>
-            <a:ext cx="1609334" cy="550477"/>
-          </a:xfrm>
-          <a:prstGeom prst="rect">
-            <a:avLst/>
-          </a:prstGeom>
-        </p:spPr>
-        <p:txBody>
-          <a:bodyPr vert="horz" lIns="91440" tIns="45720" rIns="91440" bIns="45720" rtlCol="0" anchor="ctr">
-            <a:normAutofit fontScale="85000" lnSpcReduction="20000"/>
-          </a:bodyPr>
-          <a:lstStyle>
-            <a:lvl1pPr algn="l" defTabSz="914400" rtl="0" eaLnBrk="1" latinLnBrk="0" hangingPunct="1">
-              <a:lnSpc>
-                <a:spcPct val="90000"/>
-              </a:lnSpc>
-              <a:spcBef>
-                <a:spcPct val="0"/>
-              </a:spcBef>
-              <a:buNone/>
-              <a:defRPr sz="4400" kern="1200">
-                <a:solidFill>
-                  <a:schemeClr val="tx1"/>
-                </a:solidFill>
-                <a:latin typeface="+mj-lt"/>
-                <a:ea typeface="+mj-ea"/>
-                <a:cs typeface="+mj-cs"/>
-              </a:defRPr>
-            </a:lvl1pPr>
-          </a:lstStyle>
-          <a:p>
-            <a:r>
-              <a:rPr lang="en-US" sz="2400" dirty="0"/>
-              <a:t>Ages 13 – 21</a:t>
-            </a:r>
-          </a:p>
-          <a:p>
-            <a:r>
-              <a:rPr lang="en-US" sz="2400" dirty="0"/>
-              <a:t>n = (151) </a:t>
-            </a:r>
-          </a:p>
-        </p:txBody>
-      </p:sp>
-      <p:sp>
-        <p:nvSpPr>
-          <p:cNvPr id="10" name="Title 1">
-            <a:extLst>
-              <a:ext uri="{FF2B5EF4-FFF2-40B4-BE49-F238E27FC236}">
-                <a16:creationId xmlns:a16="http://schemas.microsoft.com/office/drawing/2014/main" id="{F00C4C95-3BD1-47DC-9B28-842A019CF989}"/>
-              </a:ext>
-            </a:extLst>
-          </p:cNvPr>
-          <p:cNvSpPr txBox="1">
-            <a:spLocks/>
-          </p:cNvSpPr>
-          <p:nvPr/>
-        </p:nvSpPr>
-        <p:spPr>
-          <a:xfrm>
-            <a:off x="4957065" y="105094"/>
-            <a:ext cx="2917809" cy="550477"/>
-          </a:xfrm>
-          <a:prstGeom prst="rect">
-            <a:avLst/>
-          </a:prstGeom>
-        </p:spPr>
-        <p:txBody>
-          <a:bodyPr vert="horz" lIns="91440" tIns="45720" rIns="91440" bIns="45720" rtlCol="0" anchor="ctr">
-            <a:noAutofit/>
-          </a:bodyPr>
-          <a:lstStyle>
-            <a:lvl1pPr algn="l" defTabSz="914400" rtl="0" eaLnBrk="1" latinLnBrk="0" hangingPunct="1">
-              <a:lnSpc>
-                <a:spcPct val="90000"/>
-              </a:lnSpc>
-              <a:spcBef>
-                <a:spcPct val="0"/>
-              </a:spcBef>
-              <a:buNone/>
-              <a:defRPr sz="4400" kern="1200">
-                <a:solidFill>
-                  <a:schemeClr val="tx1"/>
-                </a:solidFill>
-                <a:latin typeface="+mj-lt"/>
-                <a:ea typeface="+mj-ea"/>
-                <a:cs typeface="+mj-cs"/>
-              </a:defRPr>
-            </a:lvl1pPr>
-          </a:lstStyle>
-          <a:p>
-            <a:r>
-              <a:rPr lang="en-US" dirty="0"/>
-              <a:t>Age Bins</a:t>
-            </a:r>
-          </a:p>
-        </p:txBody>
-      </p:sp>
-      <p:sp>
-        <p:nvSpPr>
-          <p:cNvPr id="11" name="TextBox 10">
-            <a:extLst>
-              <a:ext uri="{FF2B5EF4-FFF2-40B4-BE49-F238E27FC236}">
-                <a16:creationId xmlns:a16="http://schemas.microsoft.com/office/drawing/2014/main" id="{8190F946-C40B-4807-BA06-D520E4CB156B}"/>
-              </a:ext>
-            </a:extLst>
-          </p:cNvPr>
-          <p:cNvSpPr txBox="1"/>
-          <p:nvPr/>
-        </p:nvSpPr>
-        <p:spPr>
-          <a:xfrm>
-            <a:off x="135733" y="4706798"/>
-            <a:ext cx="5142678" cy="369332"/>
-          </a:xfrm>
-          <a:prstGeom prst="rect">
-            <a:avLst/>
-          </a:prstGeom>
-          <a:noFill/>
-        </p:spPr>
-        <p:txBody>
-          <a:bodyPr wrap="square" rtlCol="0">
-            <a:spAutoFit/>
-          </a:bodyPr>
-          <a:lstStyle/>
-          <a:p>
-            <a:r>
-              <a:rPr lang="en-US" dirty="0"/>
-              <a:t>No significant ANOVA difference or interactions </a:t>
-            </a:r>
-          </a:p>
-        </p:txBody>
-      </p:sp>
     </p:spTree>
     <p:extLst>
       <p:ext uri="{BB962C8B-B14F-4D97-AF65-F5344CB8AC3E}">
-        <p14:creationId xmlns:p14="http://schemas.microsoft.com/office/powerpoint/2010/main" val="4061440276"/>
+        <p14:creationId xmlns:p14="http://schemas.microsoft.com/office/powerpoint/2010/main" val="631500392"/>
       </p:ext>
     </p:extLst>
   </p:cSld>
@@ -4130,7 +4339,65 @@
           <p:cNvPr id="2" name="Title 1">
             <a:extLst>
               <a:ext uri="{FF2B5EF4-FFF2-40B4-BE49-F238E27FC236}">
-                <a16:creationId xmlns:a16="http://schemas.microsoft.com/office/drawing/2014/main" id="{E21C3D38-0928-4345-BACB-877E10EBAA5B}"/>
+                <a16:creationId xmlns:a16="http://schemas.microsoft.com/office/drawing/2014/main" id="{575A7342-1F6D-4A14-9B39-2FDD30AEC6D3}"/>
+              </a:ext>
+            </a:extLst>
+          </p:cNvPr>
+          <p:cNvSpPr>
+            <a:spLocks noGrp="1"/>
+          </p:cNvSpPr>
+          <p:nvPr>
+            <p:ph type="ctrTitle"/>
+          </p:nvPr>
+        </p:nvSpPr>
+        <p:spPr/>
+        <p:txBody>
+          <a:bodyPr/>
+          <a:lstStyle/>
+          <a:p>
+            <a:r>
+              <a:rPr lang="en-US" dirty="0"/>
+              <a:t>Functional Connectivity Clusters</a:t>
+            </a:r>
+          </a:p>
+        </p:txBody>
+      </p:sp>
+    </p:spTree>
+    <p:extLst>
+      <p:ext uri="{BB962C8B-B14F-4D97-AF65-F5344CB8AC3E}">
+        <p14:creationId xmlns:p14="http://schemas.microsoft.com/office/powerpoint/2010/main" val="721845529"/>
+      </p:ext>
+    </p:extLst>
+  </p:cSld>
+  <p:clrMapOvr>
+    <a:masterClrMapping/>
+  </p:clrMapOvr>
+</p:sld>
+</file>
+
+<file path=ppt/slides/slide7.xml><?xml version="1.0" encoding="utf-8"?>
+<p:sld xmlns:a="http://schemas.openxmlformats.org/drawingml/2006/main" xmlns:r="http://schemas.openxmlformats.org/officeDocument/2006/relationships" xmlns:p="http://schemas.openxmlformats.org/presentationml/2006/main">
+  <p:cSld>
+    <p:spTree>
+      <p:nvGrpSpPr>
+        <p:cNvPr id="1" name=""/>
+        <p:cNvGrpSpPr/>
+        <p:nvPr/>
+      </p:nvGrpSpPr>
+      <p:grpSpPr>
+        <a:xfrm>
+          <a:off x="0" y="0"/>
+          <a:ext cx="0" cy="0"/>
+          <a:chOff x="0" y="0"/>
+          <a:chExt cx="0" cy="0"/>
+        </a:xfrm>
+      </p:grpSpPr>
+      <p:sp>
+        <p:nvSpPr>
+          <p:cNvPr id="2" name="Title 1">
+            <a:extLst>
+              <a:ext uri="{FF2B5EF4-FFF2-40B4-BE49-F238E27FC236}">
+                <a16:creationId xmlns:a16="http://schemas.microsoft.com/office/drawing/2014/main" id="{7AB36589-A3A0-4D08-9353-DD7EAF1F8561}"/>
               </a:ext>
             </a:extLst>
           </p:cNvPr>
@@ -4141,15 +4408,28 @@
             <p:ph type="title"/>
           </p:nvPr>
         </p:nvSpPr>
-        <p:spPr/>
-        <p:txBody>
-          <a:bodyPr/>
-          <a:lstStyle/>
-          <a:p>
-            <a:pPr algn="ctr"/>
-            <a:r>
-              <a:rPr lang="en-US" dirty="0"/>
-              <a:t>Full Sample Clusters</a:t>
+        <p:spPr>
+          <a:xfrm>
+            <a:off x="1185065" y="1324294"/>
+            <a:ext cx="1466068" cy="550477"/>
+          </a:xfrm>
+        </p:spPr>
+        <p:txBody>
+          <a:bodyPr>
+            <a:normAutofit fontScale="90000"/>
+          </a:bodyPr>
+          <a:lstStyle/>
+          <a:p>
+            <a:r>
+              <a:rPr lang="en-US" sz="2400" dirty="0"/>
+              <a:t>Ages 5 – 9</a:t>
+            </a:r>
+            <a:br>
+              <a:rPr lang="en-US" sz="2400" dirty="0"/>
+            </a:br>
+            <a:r>
+              <a:rPr lang="en-US" sz="2400" dirty="0"/>
+              <a:t>n = (223) </a:t>
             </a:r>
           </a:p>
         </p:txBody>
@@ -4159,7 +4439,7 @@
           <p:cNvPr id="4" name="Picture 3">
             <a:extLst>
               <a:ext uri="{FF2B5EF4-FFF2-40B4-BE49-F238E27FC236}">
-                <a16:creationId xmlns:a16="http://schemas.microsoft.com/office/drawing/2014/main" id="{D5BDCAE3-0FDC-4C60-8B5E-BF4D40E48567}"/>
+                <a16:creationId xmlns:a16="http://schemas.microsoft.com/office/drawing/2014/main" id="{5E54A1ED-823B-41D2-AC0E-817DC8C706AE}"/>
               </a:ext>
             </a:extLst>
           </p:cNvPr>
@@ -4176,6 +4456,364 @@
         </p:blipFill>
         <p:spPr>
           <a:xfrm>
+            <a:off x="135733" y="1874772"/>
+            <a:ext cx="3564732" cy="2376488"/>
+          </a:xfrm>
+          <a:prstGeom prst="rect">
+            <a:avLst/>
+          </a:prstGeom>
+        </p:spPr>
+      </p:pic>
+      <p:pic>
+        <p:nvPicPr>
+          <p:cNvPr id="5" name="Picture 4">
+            <a:extLst>
+              <a:ext uri="{FF2B5EF4-FFF2-40B4-BE49-F238E27FC236}">
+                <a16:creationId xmlns:a16="http://schemas.microsoft.com/office/drawing/2014/main" id="{9D6776E3-2FD9-4C16-A6BA-6435BF55F7CE}"/>
+              </a:ext>
+            </a:extLst>
+          </p:cNvPr>
+          <p:cNvPicPr>
+            <a:picLocks noChangeAspect="1"/>
+          </p:cNvPicPr>
+          <p:nvPr/>
+        </p:nvPicPr>
+        <p:blipFill>
+          <a:blip r:embed="rId3"/>
+          <a:stretch>
+            <a:fillRect/>
+          </a:stretch>
+        </p:blipFill>
+        <p:spPr>
+          <a:xfrm>
+            <a:off x="8053387" y="1874771"/>
+            <a:ext cx="3929063" cy="2619375"/>
+          </a:xfrm>
+          <a:prstGeom prst="rect">
+            <a:avLst/>
+          </a:prstGeom>
+        </p:spPr>
+      </p:pic>
+      <p:pic>
+        <p:nvPicPr>
+          <p:cNvPr id="7" name="Picture 6">
+            <a:extLst>
+              <a:ext uri="{FF2B5EF4-FFF2-40B4-BE49-F238E27FC236}">
+                <a16:creationId xmlns:a16="http://schemas.microsoft.com/office/drawing/2014/main" id="{203ADF52-D284-44E0-813E-2B94408B58FF}"/>
+              </a:ext>
+            </a:extLst>
+          </p:cNvPr>
+          <p:cNvPicPr>
+            <a:picLocks noChangeAspect="1"/>
+          </p:cNvPicPr>
+          <p:nvPr/>
+        </p:nvPicPr>
+        <p:blipFill>
+          <a:blip r:embed="rId4"/>
+          <a:stretch>
+            <a:fillRect/>
+          </a:stretch>
+        </p:blipFill>
+        <p:spPr>
+          <a:xfrm>
+            <a:off x="4017169" y="1874772"/>
+            <a:ext cx="3929063" cy="2619375"/>
+          </a:xfrm>
+          <a:prstGeom prst="rect">
+            <a:avLst/>
+          </a:prstGeom>
+        </p:spPr>
+      </p:pic>
+      <p:sp>
+        <p:nvSpPr>
+          <p:cNvPr id="8" name="Title 1">
+            <a:extLst>
+              <a:ext uri="{FF2B5EF4-FFF2-40B4-BE49-F238E27FC236}">
+                <a16:creationId xmlns:a16="http://schemas.microsoft.com/office/drawing/2014/main" id="{943B7FAA-5844-4677-92FF-9FD508E2A015}"/>
+              </a:ext>
+            </a:extLst>
+          </p:cNvPr>
+          <p:cNvSpPr txBox="1">
+            <a:spLocks/>
+          </p:cNvSpPr>
+          <p:nvPr/>
+        </p:nvSpPr>
+        <p:spPr>
+          <a:xfrm>
+            <a:off x="5248666" y="1324294"/>
+            <a:ext cx="1609334" cy="550477"/>
+          </a:xfrm>
+          <a:prstGeom prst="rect">
+            <a:avLst/>
+          </a:prstGeom>
+        </p:spPr>
+        <p:txBody>
+          <a:bodyPr vert="horz" lIns="91440" tIns="45720" rIns="91440" bIns="45720" rtlCol="0" anchor="ctr">
+            <a:normAutofit fontScale="85000" lnSpcReduction="20000"/>
+          </a:bodyPr>
+          <a:lstStyle>
+            <a:lvl1pPr algn="l" defTabSz="914400" rtl="0" eaLnBrk="1" latinLnBrk="0" hangingPunct="1">
+              <a:lnSpc>
+                <a:spcPct val="90000"/>
+              </a:lnSpc>
+              <a:spcBef>
+                <a:spcPct val="0"/>
+              </a:spcBef>
+              <a:buNone/>
+              <a:defRPr sz="4400" kern="1200">
+                <a:solidFill>
+                  <a:schemeClr val="tx1"/>
+                </a:solidFill>
+                <a:latin typeface="+mj-lt"/>
+                <a:ea typeface="+mj-ea"/>
+                <a:cs typeface="+mj-cs"/>
+              </a:defRPr>
+            </a:lvl1pPr>
+          </a:lstStyle>
+          <a:p>
+            <a:r>
+              <a:rPr lang="en-US" sz="2400" dirty="0"/>
+              <a:t>Ages 10 – 12</a:t>
+            </a:r>
+          </a:p>
+          <a:p>
+            <a:r>
+              <a:rPr lang="en-US" sz="2400" dirty="0"/>
+              <a:t>n =  (257)</a:t>
+            </a:r>
+          </a:p>
+        </p:txBody>
+      </p:sp>
+      <p:sp>
+        <p:nvSpPr>
+          <p:cNvPr id="9" name="Title 1">
+            <a:extLst>
+              <a:ext uri="{FF2B5EF4-FFF2-40B4-BE49-F238E27FC236}">
+                <a16:creationId xmlns:a16="http://schemas.microsoft.com/office/drawing/2014/main" id="{7C59AAB0-2618-49E4-9BB6-1BD806B20202}"/>
+              </a:ext>
+            </a:extLst>
+          </p:cNvPr>
+          <p:cNvSpPr txBox="1">
+            <a:spLocks/>
+          </p:cNvSpPr>
+          <p:nvPr/>
+        </p:nvSpPr>
+        <p:spPr>
+          <a:xfrm>
+            <a:off x="9310914" y="1324294"/>
+            <a:ext cx="1609334" cy="550477"/>
+          </a:xfrm>
+          <a:prstGeom prst="rect">
+            <a:avLst/>
+          </a:prstGeom>
+        </p:spPr>
+        <p:txBody>
+          <a:bodyPr vert="horz" lIns="91440" tIns="45720" rIns="91440" bIns="45720" rtlCol="0" anchor="ctr">
+            <a:normAutofit fontScale="85000" lnSpcReduction="20000"/>
+          </a:bodyPr>
+          <a:lstStyle>
+            <a:lvl1pPr algn="l" defTabSz="914400" rtl="0" eaLnBrk="1" latinLnBrk="0" hangingPunct="1">
+              <a:lnSpc>
+                <a:spcPct val="90000"/>
+              </a:lnSpc>
+              <a:spcBef>
+                <a:spcPct val="0"/>
+              </a:spcBef>
+              <a:buNone/>
+              <a:defRPr sz="4400" kern="1200">
+                <a:solidFill>
+                  <a:schemeClr val="tx1"/>
+                </a:solidFill>
+                <a:latin typeface="+mj-lt"/>
+                <a:ea typeface="+mj-ea"/>
+                <a:cs typeface="+mj-cs"/>
+              </a:defRPr>
+            </a:lvl1pPr>
+          </a:lstStyle>
+          <a:p>
+            <a:r>
+              <a:rPr lang="en-US" sz="2400" dirty="0"/>
+              <a:t>Ages 13 – 21</a:t>
+            </a:r>
+          </a:p>
+          <a:p>
+            <a:r>
+              <a:rPr lang="en-US" sz="2400" dirty="0"/>
+              <a:t>n = (151) </a:t>
+            </a:r>
+          </a:p>
+        </p:txBody>
+      </p:sp>
+      <p:sp>
+        <p:nvSpPr>
+          <p:cNvPr id="10" name="Title 1">
+            <a:extLst>
+              <a:ext uri="{FF2B5EF4-FFF2-40B4-BE49-F238E27FC236}">
+                <a16:creationId xmlns:a16="http://schemas.microsoft.com/office/drawing/2014/main" id="{F00C4C95-3BD1-47DC-9B28-842A019CF989}"/>
+              </a:ext>
+            </a:extLst>
+          </p:cNvPr>
+          <p:cNvSpPr txBox="1">
+            <a:spLocks/>
+          </p:cNvSpPr>
+          <p:nvPr/>
+        </p:nvSpPr>
+        <p:spPr>
+          <a:xfrm>
+            <a:off x="4957065" y="105094"/>
+            <a:ext cx="2917809" cy="550477"/>
+          </a:xfrm>
+          <a:prstGeom prst="rect">
+            <a:avLst/>
+          </a:prstGeom>
+        </p:spPr>
+        <p:txBody>
+          <a:bodyPr vert="horz" lIns="91440" tIns="45720" rIns="91440" bIns="45720" rtlCol="0" anchor="ctr">
+            <a:noAutofit/>
+          </a:bodyPr>
+          <a:lstStyle>
+            <a:lvl1pPr algn="l" defTabSz="914400" rtl="0" eaLnBrk="1" latinLnBrk="0" hangingPunct="1">
+              <a:lnSpc>
+                <a:spcPct val="90000"/>
+              </a:lnSpc>
+              <a:spcBef>
+                <a:spcPct val="0"/>
+              </a:spcBef>
+              <a:buNone/>
+              <a:defRPr sz="4400" kern="1200">
+                <a:solidFill>
+                  <a:schemeClr val="tx1"/>
+                </a:solidFill>
+                <a:latin typeface="+mj-lt"/>
+                <a:ea typeface="+mj-ea"/>
+                <a:cs typeface="+mj-cs"/>
+              </a:defRPr>
+            </a:lvl1pPr>
+          </a:lstStyle>
+          <a:p>
+            <a:r>
+              <a:rPr lang="en-US" dirty="0"/>
+              <a:t>Age Bins</a:t>
+            </a:r>
+          </a:p>
+        </p:txBody>
+      </p:sp>
+      <p:sp>
+        <p:nvSpPr>
+          <p:cNvPr id="11" name="TextBox 10">
+            <a:extLst>
+              <a:ext uri="{FF2B5EF4-FFF2-40B4-BE49-F238E27FC236}">
+                <a16:creationId xmlns:a16="http://schemas.microsoft.com/office/drawing/2014/main" id="{8190F946-C40B-4807-BA06-D520E4CB156B}"/>
+              </a:ext>
+            </a:extLst>
+          </p:cNvPr>
+          <p:cNvSpPr txBox="1"/>
+          <p:nvPr/>
+        </p:nvSpPr>
+        <p:spPr>
+          <a:xfrm>
+            <a:off x="135733" y="4706798"/>
+            <a:ext cx="5142678" cy="369332"/>
+          </a:xfrm>
+          <a:prstGeom prst="rect">
+            <a:avLst/>
+          </a:prstGeom>
+          <a:noFill/>
+        </p:spPr>
+        <p:txBody>
+          <a:bodyPr wrap="square" rtlCol="0">
+            <a:spAutoFit/>
+          </a:bodyPr>
+          <a:lstStyle/>
+          <a:p>
+            <a:r>
+              <a:rPr lang="en-US" dirty="0"/>
+              <a:t>No significant ANOVA difference or interactions </a:t>
+            </a:r>
+          </a:p>
+        </p:txBody>
+      </p:sp>
+    </p:spTree>
+    <p:extLst>
+      <p:ext uri="{BB962C8B-B14F-4D97-AF65-F5344CB8AC3E}">
+        <p14:creationId xmlns:p14="http://schemas.microsoft.com/office/powerpoint/2010/main" val="4061440276"/>
+      </p:ext>
+    </p:extLst>
+  </p:cSld>
+  <p:clrMapOvr>
+    <a:masterClrMapping/>
+  </p:clrMapOvr>
+</p:sld>
+</file>
+
+<file path=ppt/slides/slide8.xml><?xml version="1.0" encoding="utf-8"?>
+<p:sld xmlns:a="http://schemas.openxmlformats.org/drawingml/2006/main" xmlns:r="http://schemas.openxmlformats.org/officeDocument/2006/relationships" xmlns:p="http://schemas.openxmlformats.org/presentationml/2006/main">
+  <p:cSld>
+    <p:spTree>
+      <p:nvGrpSpPr>
+        <p:cNvPr id="1" name=""/>
+        <p:cNvGrpSpPr/>
+        <p:nvPr/>
+      </p:nvGrpSpPr>
+      <p:grpSpPr>
+        <a:xfrm>
+          <a:off x="0" y="0"/>
+          <a:ext cx="0" cy="0"/>
+          <a:chOff x="0" y="0"/>
+          <a:chExt cx="0" cy="0"/>
+        </a:xfrm>
+      </p:grpSpPr>
+      <p:sp>
+        <p:nvSpPr>
+          <p:cNvPr id="2" name="Title 1">
+            <a:extLst>
+              <a:ext uri="{FF2B5EF4-FFF2-40B4-BE49-F238E27FC236}">
+                <a16:creationId xmlns:a16="http://schemas.microsoft.com/office/drawing/2014/main" id="{E21C3D38-0928-4345-BACB-877E10EBAA5B}"/>
+              </a:ext>
+            </a:extLst>
+          </p:cNvPr>
+          <p:cNvSpPr>
+            <a:spLocks noGrp="1"/>
+          </p:cNvSpPr>
+          <p:nvPr>
+            <p:ph type="title"/>
+          </p:nvPr>
+        </p:nvSpPr>
+        <p:spPr/>
+        <p:txBody>
+          <a:bodyPr/>
+          <a:lstStyle/>
+          <a:p>
+            <a:pPr algn="ctr"/>
+            <a:r>
+              <a:rPr lang="en-US" dirty="0"/>
+              <a:t>Full Sample Clusters</a:t>
+            </a:r>
+          </a:p>
+        </p:txBody>
+      </p:sp>
+      <p:pic>
+        <p:nvPicPr>
+          <p:cNvPr id="4" name="Picture 3">
+            <a:extLst>
+              <a:ext uri="{FF2B5EF4-FFF2-40B4-BE49-F238E27FC236}">
+                <a16:creationId xmlns:a16="http://schemas.microsoft.com/office/drawing/2014/main" id="{D5BDCAE3-0FDC-4C60-8B5E-BF4D40E48567}"/>
+              </a:ext>
+            </a:extLst>
+          </p:cNvPr>
+          <p:cNvPicPr>
+            <a:picLocks noChangeAspect="1"/>
+          </p:cNvPicPr>
+          <p:nvPr/>
+        </p:nvPicPr>
+        <p:blipFill>
+          <a:blip r:embed="rId2"/>
+          <a:stretch>
+            <a:fillRect/>
+          </a:stretch>
+        </p:blipFill>
+        <p:spPr>
+          <a:xfrm>
             <a:off x="714375" y="2038349"/>
             <a:ext cx="5872163" cy="3914775"/>
           </a:xfrm>
@@ -4217,6 +4855,66 @@
     <p:extLst>
       <p:ext uri="{BB962C8B-B14F-4D97-AF65-F5344CB8AC3E}">
         <p14:creationId xmlns:p14="http://schemas.microsoft.com/office/powerpoint/2010/main" val="2254295207"/>
+      </p:ext>
+    </p:extLst>
+  </p:cSld>
+  <p:clrMapOvr>
+    <a:masterClrMapping/>
+  </p:clrMapOvr>
+</p:sld>
+</file>
+
+<file path=ppt/slides/slide9.xml><?xml version="1.0" encoding="utf-8"?>
+<p:sld xmlns:a="http://schemas.openxmlformats.org/drawingml/2006/main" xmlns:r="http://schemas.openxmlformats.org/officeDocument/2006/relationships" xmlns:p="http://schemas.openxmlformats.org/presentationml/2006/main">
+  <p:cSld>
+    <p:spTree>
+      <p:nvGrpSpPr>
+        <p:cNvPr id="1" name=""/>
+        <p:cNvGrpSpPr/>
+        <p:nvPr/>
+      </p:nvGrpSpPr>
+      <p:grpSpPr>
+        <a:xfrm>
+          <a:off x="0" y="0"/>
+          <a:ext cx="0" cy="0"/>
+          <a:chOff x="0" y="0"/>
+          <a:chExt cx="0" cy="0"/>
+        </a:xfrm>
+      </p:grpSpPr>
+      <p:pic>
+        <p:nvPicPr>
+          <p:cNvPr id="3" name="Picture 2">
+            <a:extLst>
+              <a:ext uri="{FF2B5EF4-FFF2-40B4-BE49-F238E27FC236}">
+                <a16:creationId xmlns:a16="http://schemas.microsoft.com/office/drawing/2014/main" id="{25CFF8FD-5AE1-4D88-AC8C-CFAD5984F95E}"/>
+              </a:ext>
+            </a:extLst>
+          </p:cNvPr>
+          <p:cNvPicPr>
+            <a:picLocks noChangeAspect="1"/>
+          </p:cNvPicPr>
+          <p:nvPr/>
+        </p:nvPicPr>
+        <p:blipFill>
+          <a:blip r:embed="rId2"/>
+          <a:stretch>
+            <a:fillRect/>
+          </a:stretch>
+        </p:blipFill>
+        <p:spPr>
+          <a:xfrm>
+            <a:off x="1651555" y="686143"/>
+            <a:ext cx="8888889" cy="5485714"/>
+          </a:xfrm>
+          <a:prstGeom prst="rect">
+            <a:avLst/>
+          </a:prstGeom>
+        </p:spPr>
+      </p:pic>
+    </p:spTree>
+    <p:extLst>
+      <p:ext uri="{BB962C8B-B14F-4D97-AF65-F5344CB8AC3E}">
+        <p14:creationId xmlns:p14="http://schemas.microsoft.com/office/powerpoint/2010/main" val="2502460937"/>
       </p:ext>
     </p:extLst>
   </p:cSld>
